--- a/Trabajo/Imagenes/capas.pptx
+++ b/Trabajo/Imagenes/capas.pptx
@@ -6,7 +6,8 @@
   </p:sldMasterIdLst>
   <p:sldIdLst>
     <p:sldId id="256" r:id="rId2"/>
-    <p:sldId id="257" r:id="rId3"/>
+    <p:sldId id="259" r:id="rId3"/>
+    <p:sldId id="257" r:id="rId4"/>
   </p:sldIdLst>
   <p:sldSz cx="12192000" cy="6858000"/>
   <p:notesSz cx="6858000" cy="9144000"/>
@@ -105,6 +106,11 @@
       </a:defRPr>
     </a:lvl9pPr>
   </p:defaultTextStyle>
+  <p:extLst>
+    <p:ext uri="{EFAFB233-063F-42B5-8137-9DF3F51BA10A}">
+      <p15:sldGuideLst xmlns:p15="http://schemas.microsoft.com/office/powerpoint/2012/main"/>
+    </p:ext>
+  </p:extLst>
 </p:presentation>
 </file>
 
@@ -255,7 +261,7 @@
           <a:p>
             <a:fld id="{4E20A10A-D7BC-4F9D-BC1F-BCE60F8C2BA9}" type="datetimeFigureOut">
               <a:rPr lang="es-ES" smtClean="0"/>
-              <a:t>30/07/2018</a:t>
+              <a:t>10/09/2018</a:t>
             </a:fld>
             <a:endParaRPr lang="es-ES"/>
           </a:p>
@@ -453,7 +459,7 @@
           <a:p>
             <a:fld id="{4E20A10A-D7BC-4F9D-BC1F-BCE60F8C2BA9}" type="datetimeFigureOut">
               <a:rPr lang="es-ES" smtClean="0"/>
-              <a:t>30/07/2018</a:t>
+              <a:t>10/09/2018</a:t>
             </a:fld>
             <a:endParaRPr lang="es-ES"/>
           </a:p>
@@ -661,7 +667,7 @@
           <a:p>
             <a:fld id="{4E20A10A-D7BC-4F9D-BC1F-BCE60F8C2BA9}" type="datetimeFigureOut">
               <a:rPr lang="es-ES" smtClean="0"/>
-              <a:t>30/07/2018</a:t>
+              <a:t>10/09/2018</a:t>
             </a:fld>
             <a:endParaRPr lang="es-ES"/>
           </a:p>
@@ -859,7 +865,7 @@
           <a:p>
             <a:fld id="{4E20A10A-D7BC-4F9D-BC1F-BCE60F8C2BA9}" type="datetimeFigureOut">
               <a:rPr lang="es-ES" smtClean="0"/>
-              <a:t>30/07/2018</a:t>
+              <a:t>10/09/2018</a:t>
             </a:fld>
             <a:endParaRPr lang="es-ES"/>
           </a:p>
@@ -1134,7 +1140,7 @@
           <a:p>
             <a:fld id="{4E20A10A-D7BC-4F9D-BC1F-BCE60F8C2BA9}" type="datetimeFigureOut">
               <a:rPr lang="es-ES" smtClean="0"/>
-              <a:t>30/07/2018</a:t>
+              <a:t>10/09/2018</a:t>
             </a:fld>
             <a:endParaRPr lang="es-ES"/>
           </a:p>
@@ -1399,7 +1405,7 @@
           <a:p>
             <a:fld id="{4E20A10A-D7BC-4F9D-BC1F-BCE60F8C2BA9}" type="datetimeFigureOut">
               <a:rPr lang="es-ES" smtClean="0"/>
-              <a:t>30/07/2018</a:t>
+              <a:t>10/09/2018</a:t>
             </a:fld>
             <a:endParaRPr lang="es-ES"/>
           </a:p>
@@ -1811,7 +1817,7 @@
           <a:p>
             <a:fld id="{4E20A10A-D7BC-4F9D-BC1F-BCE60F8C2BA9}" type="datetimeFigureOut">
               <a:rPr lang="es-ES" smtClean="0"/>
-              <a:t>30/07/2018</a:t>
+              <a:t>10/09/2018</a:t>
             </a:fld>
             <a:endParaRPr lang="es-ES"/>
           </a:p>
@@ -1952,7 +1958,7 @@
           <a:p>
             <a:fld id="{4E20A10A-D7BC-4F9D-BC1F-BCE60F8C2BA9}" type="datetimeFigureOut">
               <a:rPr lang="es-ES" smtClean="0"/>
-              <a:t>30/07/2018</a:t>
+              <a:t>10/09/2018</a:t>
             </a:fld>
             <a:endParaRPr lang="es-ES"/>
           </a:p>
@@ -2065,7 +2071,7 @@
           <a:p>
             <a:fld id="{4E20A10A-D7BC-4F9D-BC1F-BCE60F8C2BA9}" type="datetimeFigureOut">
               <a:rPr lang="es-ES" smtClean="0"/>
-              <a:t>30/07/2018</a:t>
+              <a:t>10/09/2018</a:t>
             </a:fld>
             <a:endParaRPr lang="es-ES"/>
           </a:p>
@@ -2376,7 +2382,7 @@
           <a:p>
             <a:fld id="{4E20A10A-D7BC-4F9D-BC1F-BCE60F8C2BA9}" type="datetimeFigureOut">
               <a:rPr lang="es-ES" smtClean="0"/>
-              <a:t>30/07/2018</a:t>
+              <a:t>10/09/2018</a:t>
             </a:fld>
             <a:endParaRPr lang="es-ES"/>
           </a:p>
@@ -2664,7 +2670,7 @@
           <a:p>
             <a:fld id="{4E20A10A-D7BC-4F9D-BC1F-BCE60F8C2BA9}" type="datetimeFigureOut">
               <a:rPr lang="es-ES" smtClean="0"/>
-              <a:t>30/07/2018</a:t>
+              <a:t>10/09/2018</a:t>
             </a:fld>
             <a:endParaRPr lang="es-ES"/>
           </a:p>
@@ -2905,7 +2911,7 @@
           <a:p>
             <a:fld id="{4E20A10A-D7BC-4F9D-BC1F-BCE60F8C2BA9}" type="datetimeFigureOut">
               <a:rPr lang="es-ES" smtClean="0"/>
-              <a:t>30/07/2018</a:t>
+              <a:t>10/09/2018</a:t>
             </a:fld>
             <a:endParaRPr lang="es-ES"/>
           </a:p>
@@ -3473,7 +3479,7 @@
           <a:p>
             <a:pPr algn="ctr"/>
             <a:r>
-              <a:rPr lang="es-ES" dirty="0"/>
+              <a:rPr lang="es-ES" sz="3600" dirty="0"/>
               <a:t>Servicios</a:t>
             </a:r>
           </a:p>
@@ -3521,7 +3527,7 @@
           <a:p>
             <a:pPr algn="ctr"/>
             <a:r>
-              <a:rPr lang="es-ES" dirty="0"/>
+              <a:rPr lang="es-ES" sz="3600" dirty="0"/>
               <a:t>Aplicación</a:t>
             </a:r>
           </a:p>
@@ -3569,7 +3575,7 @@
           <a:p>
             <a:pPr algn="ctr"/>
             <a:r>
-              <a:rPr lang="es-ES" dirty="0"/>
+              <a:rPr lang="es-ES" sz="3600" dirty="0"/>
               <a:t>Dominio</a:t>
             </a:r>
           </a:p>
@@ -3617,7 +3623,7 @@
           <a:p>
             <a:pPr algn="ctr"/>
             <a:r>
-              <a:rPr lang="es-ES" dirty="0"/>
+              <a:rPr lang="es-ES" sz="3600" dirty="0"/>
               <a:t>Persistencia</a:t>
             </a:r>
           </a:p>
@@ -3665,135 +3671,64 @@
           <a:p>
             <a:pPr algn="ctr"/>
             <a:r>
-              <a:rPr lang="es-ES" dirty="0"/>
+              <a:rPr lang="es-ES" sz="2400" dirty="0"/>
               <a:t>C</a:t>
             </a:r>
           </a:p>
           <a:p>
             <a:pPr algn="ctr"/>
             <a:r>
-              <a:rPr lang="es-ES" dirty="0"/>
+              <a:rPr lang="es-ES" sz="2400" dirty="0"/>
               <a:t>o</a:t>
             </a:r>
           </a:p>
           <a:p>
             <a:pPr algn="ctr"/>
             <a:r>
-              <a:rPr lang="es-ES" dirty="0"/>
+              <a:rPr lang="es-ES" sz="2400" dirty="0"/>
               <a:t>n</a:t>
             </a:r>
           </a:p>
           <a:p>
             <a:pPr algn="ctr"/>
             <a:r>
-              <a:rPr lang="es-ES" dirty="0"/>
+              <a:rPr lang="es-ES" sz="2400" dirty="0"/>
               <a:t>t</a:t>
             </a:r>
           </a:p>
           <a:p>
             <a:pPr algn="ctr"/>
             <a:r>
-              <a:rPr lang="es-ES" dirty="0"/>
+              <a:rPr lang="es-ES" sz="2400" dirty="0"/>
               <a:t>r</a:t>
             </a:r>
           </a:p>
           <a:p>
             <a:pPr algn="ctr"/>
             <a:r>
-              <a:rPr lang="es-ES" dirty="0"/>
+              <a:rPr lang="es-ES" sz="2400" dirty="0"/>
               <a:t>a</a:t>
             </a:r>
           </a:p>
           <a:p>
             <a:pPr algn="ctr"/>
             <a:r>
-              <a:rPr lang="es-ES" dirty="0"/>
+              <a:rPr lang="es-ES" sz="2400" dirty="0"/>
               <a:t>t</a:t>
             </a:r>
           </a:p>
           <a:p>
             <a:pPr algn="ctr"/>
             <a:r>
-              <a:rPr lang="es-ES" dirty="0"/>
+              <a:rPr lang="es-ES" sz="2400" dirty="0"/>
               <a:t>o</a:t>
             </a:r>
           </a:p>
           <a:p>
             <a:pPr algn="ctr"/>
             <a:r>
-              <a:rPr lang="es-ES" dirty="0"/>
+              <a:rPr lang="es-ES" sz="2400" dirty="0"/>
               <a:t>s</a:t>
-            </a:r>
-          </a:p>
-        </p:txBody>
-      </p:sp>
-      <p:sp>
-        <p:nvSpPr>
-          <p:cNvPr id="11" name="Diagrama de flujo: disco magnético 10">
-            <a:extLst>
-              <a:ext uri="{FF2B5EF4-FFF2-40B4-BE49-F238E27FC236}">
-                <a16:creationId xmlns:a16="http://schemas.microsoft.com/office/drawing/2014/main" id="{50F40281-833C-4CD3-AA63-7D6C387BC55A}"/>
-              </a:ext>
-            </a:extLst>
-          </p:cNvPr>
-          <p:cNvSpPr/>
-          <p:nvPr/>
-        </p:nvSpPr>
-        <p:spPr>
-          <a:xfrm>
-            <a:off x="2047142" y="5187461"/>
-            <a:ext cx="808893" cy="1257300"/>
-          </a:xfrm>
-          <a:prstGeom prst="flowChartMagneticDisk">
-            <a:avLst/>
-          </a:prstGeom>
-          <a:solidFill>
-            <a:schemeClr val="accent4">
-              <a:lumMod val="60000"/>
-              <a:lumOff val="40000"/>
-            </a:schemeClr>
-          </a:solidFill>
-          <a:ln w="19050">
-            <a:solidFill>
-              <a:schemeClr val="tx1"/>
-            </a:solidFill>
-          </a:ln>
-          <a:effectLst>
-            <a:outerShdw blurRad="50800" dist="38100" dir="2700000" algn="tl" rotWithShape="0">
-              <a:prstClr val="black">
-                <a:alpha val="40000"/>
-              </a:prstClr>
-            </a:outerShdw>
-          </a:effectLst>
-        </p:spPr>
-        <p:style>
-          <a:lnRef idx="2">
-            <a:schemeClr val="accent1">
-              <a:shade val="50000"/>
-            </a:schemeClr>
-          </a:lnRef>
-          <a:fillRef idx="1">
-            <a:schemeClr val="accent1"/>
-          </a:fillRef>
-          <a:effectRef idx="0">
-            <a:schemeClr val="accent1"/>
-          </a:effectRef>
-          <a:fontRef idx="minor">
-            <a:schemeClr val="lt1"/>
-          </a:fontRef>
-        </p:style>
-        <p:txBody>
-          <a:bodyPr rtlCol="0" anchor="ctr"/>
-          <a:lstStyle/>
-          <a:p>
-            <a:pPr algn="ctr"/>
-            <a:r>
-              <a:rPr lang="es-ES" b="1" dirty="0">
-                <a:solidFill>
-                  <a:schemeClr val="tx1"/>
-                </a:solidFill>
-              </a:rPr>
-              <a:t>BD</a:t>
             </a:r>
           </a:p>
         </p:txBody>
@@ -4025,49 +3960,6 @@
           <a:xfrm>
             <a:off x="5615353" y="2936631"/>
             <a:ext cx="0" cy="395653"/>
-          </a:xfrm>
-          <a:prstGeom prst="straightConnector1">
-            <a:avLst/>
-          </a:prstGeom>
-          <a:ln w="12700">
-            <a:tailEnd type="triangle"/>
-          </a:ln>
-        </p:spPr>
-        <p:style>
-          <a:lnRef idx="1">
-            <a:schemeClr val="dk1"/>
-          </a:lnRef>
-          <a:fillRef idx="0">
-            <a:schemeClr val="dk1"/>
-          </a:fillRef>
-          <a:effectRef idx="0">
-            <a:schemeClr val="dk1"/>
-          </a:effectRef>
-          <a:fontRef idx="minor">
-            <a:schemeClr val="tx1"/>
-          </a:fontRef>
-        </p:style>
-      </p:cxnSp>
-      <p:cxnSp>
-        <p:nvCxnSpPr>
-          <p:cNvPr id="34" name="Conector recto de flecha 33">
-            <a:extLst>
-              <a:ext uri="{FF2B5EF4-FFF2-40B4-BE49-F238E27FC236}">
-                <a16:creationId xmlns:a16="http://schemas.microsoft.com/office/drawing/2014/main" id="{B6174CA4-8A11-4878-A3EE-43AE429DB1FA}"/>
-              </a:ext>
-            </a:extLst>
-          </p:cNvPr>
-          <p:cNvCxnSpPr>
-            <a:cxnSpLocks/>
-            <a:stCxn id="9" idx="1"/>
-            <a:endCxn id="11" idx="4"/>
-          </p:cNvCxnSpPr>
-          <p:nvPr/>
-        </p:nvCxnSpPr>
-        <p:spPr>
-          <a:xfrm flipH="1">
-            <a:off x="2856035" y="5802921"/>
-            <a:ext cx="962756" cy="13190"/>
           </a:xfrm>
           <a:prstGeom prst="straightConnector1">
             <a:avLst/>
@@ -4133,7 +4025,7 @@
           <a:p>
             <a:pPr algn="ctr"/>
             <a:r>
-              <a:rPr lang="es-ES" dirty="0"/>
+              <a:rPr lang="es-ES" sz="3600" dirty="0"/>
               <a:t>Proxy</a:t>
             </a:r>
           </a:p>
@@ -4352,8 +4244,8 @@
         </p:nvSpPr>
         <p:spPr>
           <a:xfrm>
-            <a:off x="5102855" y="1459496"/>
-            <a:ext cx="1101584" cy="369332"/>
+            <a:off x="4591497" y="1396882"/>
+            <a:ext cx="1612942" cy="523220"/>
           </a:xfrm>
           <a:prstGeom prst="rect">
             <a:avLst/>
@@ -4367,51 +4259,8 @@
           <a:lstStyle/>
           <a:p>
             <a:r>
-              <a:rPr lang="es-ES" dirty="0"/>
+              <a:rPr lang="es-ES" sz="2800" dirty="0"/>
               <a:t>HTPP GET</a:t>
-            </a:r>
-          </a:p>
-        </p:txBody>
-      </p:sp>
-      <p:sp>
-        <p:nvSpPr>
-          <p:cNvPr id="55" name="CuadroTexto 54">
-            <a:extLst>
-              <a:ext uri="{FF2B5EF4-FFF2-40B4-BE49-F238E27FC236}">
-                <a16:creationId xmlns:a16="http://schemas.microsoft.com/office/drawing/2014/main" id="{656F8817-83CA-434B-8890-D15D841721A4}"/>
-              </a:ext>
-            </a:extLst>
-          </p:cNvPr>
-          <p:cNvSpPr txBox="1"/>
-          <p:nvPr/>
-        </p:nvSpPr>
-        <p:spPr>
-          <a:xfrm>
-            <a:off x="2865671" y="5464417"/>
-            <a:ext cx="846770" cy="646331"/>
-          </a:xfrm>
-          <a:prstGeom prst="rect">
-            <a:avLst/>
-          </a:prstGeom>
-          <a:noFill/>
-        </p:spPr>
-        <p:txBody>
-          <a:bodyPr wrap="none" rtlCol="0">
-            <a:spAutoFit/>
-          </a:bodyPr>
-          <a:lstStyle/>
-          <a:p>
-            <a:pPr algn="ctr"/>
-            <a:r>
-              <a:rPr lang="es-ES" dirty="0"/>
-              <a:t>SQL </a:t>
-            </a:r>
-          </a:p>
-          <a:p>
-            <a:pPr algn="ctr"/>
-            <a:r>
-              <a:rPr lang="es-ES" dirty="0"/>
-              <a:t>SELECT</a:t>
             </a:r>
           </a:p>
         </p:txBody>
@@ -4430,6 +4279,696 @@
 </file>
 
 <file path=ppt/slides/slide2.xml><?xml version="1.0" encoding="utf-8"?>
+<p:sld xmlns:a="http://schemas.openxmlformats.org/drawingml/2006/main" xmlns:r="http://schemas.openxmlformats.org/officeDocument/2006/relationships" xmlns:p="http://schemas.openxmlformats.org/presentationml/2006/main">
+  <p:cSld>
+    <p:spTree>
+      <p:nvGrpSpPr>
+        <p:cNvPr id="1" name=""/>
+        <p:cNvGrpSpPr/>
+        <p:nvPr/>
+      </p:nvGrpSpPr>
+      <p:grpSpPr>
+        <a:xfrm>
+          <a:off x="0" y="0"/>
+          <a:ext cx="0" cy="0"/>
+          <a:chOff x="0" y="0"/>
+          <a:chExt cx="0" cy="0"/>
+        </a:xfrm>
+      </p:grpSpPr>
+      <p:sp>
+        <p:nvSpPr>
+          <p:cNvPr id="37" name="Rectángulo 36">
+            <a:extLst>
+              <a:ext uri="{FF2B5EF4-FFF2-40B4-BE49-F238E27FC236}">
+                <a16:creationId xmlns:a16="http://schemas.microsoft.com/office/drawing/2014/main" id="{6B88FD8B-F710-405F-BFA2-2BCFC9F4E5B6}"/>
+              </a:ext>
+            </a:extLst>
+          </p:cNvPr>
+          <p:cNvSpPr/>
+          <p:nvPr/>
+        </p:nvSpPr>
+        <p:spPr>
+          <a:xfrm>
+            <a:off x="3775343" y="916665"/>
+            <a:ext cx="4964724" cy="4598086"/>
+          </a:xfrm>
+          <a:prstGeom prst="rect">
+            <a:avLst/>
+          </a:prstGeom>
+          <a:solidFill>
+            <a:schemeClr val="tx2">
+              <a:lumMod val="40000"/>
+              <a:lumOff val="60000"/>
+            </a:schemeClr>
+          </a:solidFill>
+          <a:ln w="28575">
+            <a:solidFill>
+              <a:schemeClr val="tx1"/>
+            </a:solidFill>
+          </a:ln>
+        </p:spPr>
+        <p:style>
+          <a:lnRef idx="2">
+            <a:schemeClr val="accent6"/>
+          </a:lnRef>
+          <a:fillRef idx="1">
+            <a:schemeClr val="lt1"/>
+          </a:fillRef>
+          <a:effectRef idx="0">
+            <a:schemeClr val="accent6"/>
+          </a:effectRef>
+          <a:fontRef idx="minor">
+            <a:schemeClr val="dk1"/>
+          </a:fontRef>
+        </p:style>
+        <p:txBody>
+          <a:bodyPr rtlCol="0" anchor="ctr"/>
+          <a:lstStyle/>
+          <a:p>
+            <a:pPr algn="ctr"/>
+            <a:endParaRPr lang="es-ES"/>
+          </a:p>
+        </p:txBody>
+      </p:sp>
+      <p:sp>
+        <p:nvSpPr>
+          <p:cNvPr id="7" name="Rectángulo: esquinas redondeadas 6">
+            <a:extLst>
+              <a:ext uri="{FF2B5EF4-FFF2-40B4-BE49-F238E27FC236}">
+                <a16:creationId xmlns:a16="http://schemas.microsoft.com/office/drawing/2014/main" id="{341BDB46-0EBA-43ED-BB4C-28FA7FB1BB81}"/>
+              </a:ext>
+            </a:extLst>
+          </p:cNvPr>
+          <p:cNvSpPr/>
+          <p:nvPr/>
+        </p:nvSpPr>
+        <p:spPr>
+          <a:xfrm>
+            <a:off x="3872057" y="2400126"/>
+            <a:ext cx="3593124" cy="677008"/>
+          </a:xfrm>
+          <a:prstGeom prst="roundRect">
+            <a:avLst/>
+          </a:prstGeom>
+          <a:ln w="19050"/>
+        </p:spPr>
+        <p:style>
+          <a:lnRef idx="2">
+            <a:schemeClr val="accent6"/>
+          </a:lnRef>
+          <a:fillRef idx="1">
+            <a:schemeClr val="lt1"/>
+          </a:fillRef>
+          <a:effectRef idx="0">
+            <a:schemeClr val="accent6"/>
+          </a:effectRef>
+          <a:fontRef idx="minor">
+            <a:schemeClr val="dk1"/>
+          </a:fontRef>
+        </p:style>
+        <p:txBody>
+          <a:bodyPr rtlCol="0" anchor="ctr"/>
+          <a:lstStyle/>
+          <a:p>
+            <a:pPr algn="ctr"/>
+            <a:r>
+              <a:rPr lang="es-ES" sz="3600" dirty="0"/>
+              <a:t>Aplicación</a:t>
+            </a:r>
+          </a:p>
+        </p:txBody>
+      </p:sp>
+      <p:sp>
+        <p:nvSpPr>
+          <p:cNvPr id="8" name="Rectángulo: esquinas redondeadas 7">
+            <a:extLst>
+              <a:ext uri="{FF2B5EF4-FFF2-40B4-BE49-F238E27FC236}">
+                <a16:creationId xmlns:a16="http://schemas.microsoft.com/office/drawing/2014/main" id="{262F7F2B-AA99-4B5F-AFB2-7936AB52DA79}"/>
+              </a:ext>
+            </a:extLst>
+          </p:cNvPr>
+          <p:cNvSpPr/>
+          <p:nvPr/>
+        </p:nvSpPr>
+        <p:spPr>
+          <a:xfrm>
+            <a:off x="3872057" y="3472787"/>
+            <a:ext cx="2549771" cy="677008"/>
+          </a:xfrm>
+          <a:prstGeom prst="roundRect">
+            <a:avLst/>
+          </a:prstGeom>
+          <a:ln w="19050"/>
+        </p:spPr>
+        <p:style>
+          <a:lnRef idx="2">
+            <a:schemeClr val="accent6"/>
+          </a:lnRef>
+          <a:fillRef idx="1">
+            <a:schemeClr val="lt1"/>
+          </a:fillRef>
+          <a:effectRef idx="0">
+            <a:schemeClr val="accent6"/>
+          </a:effectRef>
+          <a:fontRef idx="minor">
+            <a:schemeClr val="dk1"/>
+          </a:fontRef>
+        </p:style>
+        <p:txBody>
+          <a:bodyPr rtlCol="0" anchor="ctr"/>
+          <a:lstStyle/>
+          <a:p>
+            <a:pPr algn="ctr"/>
+            <a:r>
+              <a:rPr lang="es-ES" sz="3600" dirty="0"/>
+              <a:t>Dominio</a:t>
+            </a:r>
+          </a:p>
+        </p:txBody>
+      </p:sp>
+      <p:sp>
+        <p:nvSpPr>
+          <p:cNvPr id="9" name="Rectángulo: esquinas redondeadas 8">
+            <a:extLst>
+              <a:ext uri="{FF2B5EF4-FFF2-40B4-BE49-F238E27FC236}">
+                <a16:creationId xmlns:a16="http://schemas.microsoft.com/office/drawing/2014/main" id="{4DED55B2-1A9C-4BC2-AECB-ED384998E5A0}"/>
+              </a:ext>
+            </a:extLst>
+          </p:cNvPr>
+          <p:cNvSpPr/>
+          <p:nvPr/>
+        </p:nvSpPr>
+        <p:spPr>
+          <a:xfrm>
+            <a:off x="3872057" y="4532259"/>
+            <a:ext cx="3593124" cy="677008"/>
+          </a:xfrm>
+          <a:prstGeom prst="roundRect">
+            <a:avLst/>
+          </a:prstGeom>
+          <a:ln w="19050"/>
+        </p:spPr>
+        <p:style>
+          <a:lnRef idx="2">
+            <a:schemeClr val="accent6"/>
+          </a:lnRef>
+          <a:fillRef idx="1">
+            <a:schemeClr val="lt1"/>
+          </a:fillRef>
+          <a:effectRef idx="0">
+            <a:schemeClr val="accent6"/>
+          </a:effectRef>
+          <a:fontRef idx="minor">
+            <a:schemeClr val="dk1"/>
+          </a:fontRef>
+        </p:style>
+        <p:txBody>
+          <a:bodyPr rtlCol="0" anchor="ctr"/>
+          <a:lstStyle/>
+          <a:p>
+            <a:pPr algn="ctr"/>
+            <a:r>
+              <a:rPr lang="es-ES" sz="3600" dirty="0"/>
+              <a:t>Persistencia</a:t>
+            </a:r>
+          </a:p>
+        </p:txBody>
+      </p:sp>
+      <p:sp>
+        <p:nvSpPr>
+          <p:cNvPr id="10" name="Rectángulo: esquinas redondeadas 9">
+            <a:extLst>
+              <a:ext uri="{FF2B5EF4-FFF2-40B4-BE49-F238E27FC236}">
+                <a16:creationId xmlns:a16="http://schemas.microsoft.com/office/drawing/2014/main" id="{41DCD4AD-43B3-4D12-97A5-0EA4E0797571}"/>
+              </a:ext>
+            </a:extLst>
+          </p:cNvPr>
+          <p:cNvSpPr/>
+          <p:nvPr/>
+        </p:nvSpPr>
+        <p:spPr>
+          <a:xfrm>
+            <a:off x="7838853" y="2288793"/>
+            <a:ext cx="732694" cy="2920470"/>
+          </a:xfrm>
+          <a:prstGeom prst="roundRect">
+            <a:avLst/>
+          </a:prstGeom>
+          <a:ln w="19050"/>
+        </p:spPr>
+        <p:style>
+          <a:lnRef idx="2">
+            <a:schemeClr val="accent6"/>
+          </a:lnRef>
+          <a:fillRef idx="1">
+            <a:schemeClr val="lt1"/>
+          </a:fillRef>
+          <a:effectRef idx="0">
+            <a:schemeClr val="accent6"/>
+          </a:effectRef>
+          <a:fontRef idx="minor">
+            <a:schemeClr val="dk1"/>
+          </a:fontRef>
+        </p:style>
+        <p:txBody>
+          <a:bodyPr rtlCol="0" anchor="ctr"/>
+          <a:lstStyle/>
+          <a:p>
+            <a:pPr algn="ctr"/>
+            <a:r>
+              <a:rPr lang="es-ES" sz="2000" dirty="0"/>
+              <a:t>C</a:t>
+            </a:r>
+          </a:p>
+          <a:p>
+            <a:pPr algn="ctr"/>
+            <a:r>
+              <a:rPr lang="es-ES" sz="2000" dirty="0"/>
+              <a:t>o</a:t>
+            </a:r>
+          </a:p>
+          <a:p>
+            <a:pPr algn="ctr"/>
+            <a:r>
+              <a:rPr lang="es-ES" sz="2000" dirty="0"/>
+              <a:t>n</a:t>
+            </a:r>
+          </a:p>
+          <a:p>
+            <a:pPr algn="ctr"/>
+            <a:r>
+              <a:rPr lang="es-ES" sz="2000" dirty="0"/>
+              <a:t>t</a:t>
+            </a:r>
+          </a:p>
+          <a:p>
+            <a:pPr algn="ctr"/>
+            <a:r>
+              <a:rPr lang="es-ES" sz="2000" dirty="0"/>
+              <a:t>r</a:t>
+            </a:r>
+          </a:p>
+          <a:p>
+            <a:pPr algn="ctr"/>
+            <a:r>
+              <a:rPr lang="es-ES" sz="2000" dirty="0"/>
+              <a:t>a</a:t>
+            </a:r>
+          </a:p>
+          <a:p>
+            <a:pPr algn="ctr"/>
+            <a:r>
+              <a:rPr lang="es-ES" sz="2000" dirty="0"/>
+              <a:t>t</a:t>
+            </a:r>
+          </a:p>
+          <a:p>
+            <a:pPr algn="ctr"/>
+            <a:r>
+              <a:rPr lang="es-ES" sz="2000" dirty="0"/>
+              <a:t>o</a:t>
+            </a:r>
+          </a:p>
+          <a:p>
+            <a:pPr algn="ctr"/>
+            <a:r>
+              <a:rPr lang="es-ES" sz="2000" dirty="0"/>
+              <a:t>s</a:t>
+            </a:r>
+          </a:p>
+        </p:txBody>
+      </p:sp>
+      <p:cxnSp>
+        <p:nvCxnSpPr>
+          <p:cNvPr id="16" name="Conector recto de flecha 15">
+            <a:extLst>
+              <a:ext uri="{FF2B5EF4-FFF2-40B4-BE49-F238E27FC236}">
+                <a16:creationId xmlns:a16="http://schemas.microsoft.com/office/drawing/2014/main" id="{68B52F3B-B266-46E5-B0B8-F142999F0B38}"/>
+              </a:ext>
+            </a:extLst>
+          </p:cNvPr>
+          <p:cNvCxnSpPr>
+            <a:cxnSpLocks/>
+            <a:stCxn id="9" idx="0"/>
+          </p:cNvCxnSpPr>
+          <p:nvPr/>
+        </p:nvCxnSpPr>
+        <p:spPr>
+          <a:xfrm flipV="1">
+            <a:off x="5668619" y="4149795"/>
+            <a:ext cx="0" cy="382464"/>
+          </a:xfrm>
+          <a:prstGeom prst="straightConnector1">
+            <a:avLst/>
+          </a:prstGeom>
+          <a:ln>
+            <a:tailEnd type="triangle"/>
+          </a:ln>
+        </p:spPr>
+        <p:style>
+          <a:lnRef idx="1">
+            <a:schemeClr val="dk1"/>
+          </a:lnRef>
+          <a:fillRef idx="0">
+            <a:schemeClr val="dk1"/>
+          </a:fillRef>
+          <a:effectRef idx="0">
+            <a:schemeClr val="dk1"/>
+          </a:effectRef>
+          <a:fontRef idx="minor">
+            <a:schemeClr val="tx1"/>
+          </a:fontRef>
+        </p:style>
+      </p:cxnSp>
+      <p:cxnSp>
+        <p:nvCxnSpPr>
+          <p:cNvPr id="21" name="Conector recto de flecha 20">
+            <a:extLst>
+              <a:ext uri="{FF2B5EF4-FFF2-40B4-BE49-F238E27FC236}">
+                <a16:creationId xmlns:a16="http://schemas.microsoft.com/office/drawing/2014/main" id="{47783A7F-4B31-4F2C-9626-F5A88DA675BF}"/>
+              </a:ext>
+            </a:extLst>
+          </p:cNvPr>
+          <p:cNvCxnSpPr>
+            <a:cxnSpLocks/>
+            <a:stCxn id="7" idx="3"/>
+          </p:cNvCxnSpPr>
+          <p:nvPr/>
+        </p:nvCxnSpPr>
+        <p:spPr>
+          <a:xfrm>
+            <a:off x="7465181" y="2738630"/>
+            <a:ext cx="373672" cy="0"/>
+          </a:xfrm>
+          <a:prstGeom prst="straightConnector1">
+            <a:avLst/>
+          </a:prstGeom>
+          <a:ln w="12700">
+            <a:tailEnd type="triangle"/>
+          </a:ln>
+        </p:spPr>
+        <p:style>
+          <a:lnRef idx="1">
+            <a:schemeClr val="dk1"/>
+          </a:lnRef>
+          <a:fillRef idx="0">
+            <a:schemeClr val="dk1"/>
+          </a:fillRef>
+          <a:effectRef idx="0">
+            <a:schemeClr val="dk1"/>
+          </a:effectRef>
+          <a:fontRef idx="minor">
+            <a:schemeClr val="tx1"/>
+          </a:fontRef>
+        </p:style>
+      </p:cxnSp>
+      <p:cxnSp>
+        <p:nvCxnSpPr>
+          <p:cNvPr id="24" name="Conector recto de flecha 23">
+            <a:extLst>
+              <a:ext uri="{FF2B5EF4-FFF2-40B4-BE49-F238E27FC236}">
+                <a16:creationId xmlns:a16="http://schemas.microsoft.com/office/drawing/2014/main" id="{98312538-AE19-4F44-A70E-1BD8DEBBA373}"/>
+              </a:ext>
+            </a:extLst>
+          </p:cNvPr>
+          <p:cNvCxnSpPr>
+            <a:cxnSpLocks/>
+            <a:stCxn id="7" idx="2"/>
+          </p:cNvCxnSpPr>
+          <p:nvPr/>
+        </p:nvCxnSpPr>
+        <p:spPr>
+          <a:xfrm>
+            <a:off x="5668619" y="3077134"/>
+            <a:ext cx="0" cy="395653"/>
+          </a:xfrm>
+          <a:prstGeom prst="straightConnector1">
+            <a:avLst/>
+          </a:prstGeom>
+          <a:ln w="12700">
+            <a:tailEnd type="triangle"/>
+          </a:ln>
+        </p:spPr>
+        <p:style>
+          <a:lnRef idx="1">
+            <a:schemeClr val="dk1"/>
+          </a:lnRef>
+          <a:fillRef idx="0">
+            <a:schemeClr val="dk1"/>
+          </a:fillRef>
+          <a:effectRef idx="0">
+            <a:schemeClr val="dk1"/>
+          </a:effectRef>
+          <a:fontRef idx="minor">
+            <a:schemeClr val="tx1"/>
+          </a:fontRef>
+        </p:style>
+      </p:cxnSp>
+      <p:cxnSp>
+        <p:nvCxnSpPr>
+          <p:cNvPr id="27" name="Conector recto de flecha 26">
+            <a:extLst>
+              <a:ext uri="{FF2B5EF4-FFF2-40B4-BE49-F238E27FC236}">
+                <a16:creationId xmlns:a16="http://schemas.microsoft.com/office/drawing/2014/main" id="{9604E584-389F-4040-9894-83426856A420}"/>
+              </a:ext>
+            </a:extLst>
+          </p:cNvPr>
+          <p:cNvCxnSpPr>
+            <a:cxnSpLocks/>
+          </p:cNvCxnSpPr>
+          <p:nvPr/>
+        </p:nvCxnSpPr>
+        <p:spPr>
+          <a:xfrm>
+            <a:off x="6937643" y="3077134"/>
+            <a:ext cx="0" cy="1455125"/>
+          </a:xfrm>
+          <a:prstGeom prst="straightConnector1">
+            <a:avLst/>
+          </a:prstGeom>
+          <a:ln w="12700">
+            <a:tailEnd type="triangle"/>
+          </a:ln>
+        </p:spPr>
+        <p:style>
+          <a:lnRef idx="1">
+            <a:schemeClr val="dk1"/>
+          </a:lnRef>
+          <a:fillRef idx="0">
+            <a:schemeClr val="dk1"/>
+          </a:fillRef>
+          <a:effectRef idx="0">
+            <a:schemeClr val="dk1"/>
+          </a:effectRef>
+          <a:fontRef idx="minor">
+            <a:schemeClr val="tx1"/>
+          </a:fontRef>
+        </p:style>
+      </p:cxnSp>
+      <p:sp>
+        <p:nvSpPr>
+          <p:cNvPr id="36" name="Rectángulo: esquinas redondeadas 35">
+            <a:extLst>
+              <a:ext uri="{FF2B5EF4-FFF2-40B4-BE49-F238E27FC236}">
+                <a16:creationId xmlns:a16="http://schemas.microsoft.com/office/drawing/2014/main" id="{A6D5F1D4-8CA0-436A-AB61-149A78904CF1}"/>
+              </a:ext>
+            </a:extLst>
+          </p:cNvPr>
+          <p:cNvSpPr/>
+          <p:nvPr/>
+        </p:nvSpPr>
+        <p:spPr>
+          <a:xfrm>
+            <a:off x="3872057" y="1299129"/>
+            <a:ext cx="4699490" cy="677008"/>
+          </a:xfrm>
+          <a:prstGeom prst="roundRect">
+            <a:avLst/>
+          </a:prstGeom>
+          <a:ln w="19050"/>
+        </p:spPr>
+        <p:style>
+          <a:lnRef idx="2">
+            <a:schemeClr val="accent6"/>
+          </a:lnRef>
+          <a:fillRef idx="1">
+            <a:schemeClr val="lt1"/>
+          </a:fillRef>
+          <a:effectRef idx="0">
+            <a:schemeClr val="accent6"/>
+          </a:effectRef>
+          <a:fontRef idx="minor">
+            <a:schemeClr val="dk1"/>
+          </a:fontRef>
+        </p:style>
+        <p:txBody>
+          <a:bodyPr rtlCol="0" anchor="ctr"/>
+          <a:lstStyle/>
+          <a:p>
+            <a:pPr algn="ctr"/>
+            <a:r>
+              <a:rPr lang="es-ES" sz="3600" dirty="0"/>
+              <a:t>Proxy</a:t>
+            </a:r>
+          </a:p>
+        </p:txBody>
+      </p:sp>
+      <p:cxnSp>
+        <p:nvCxnSpPr>
+          <p:cNvPr id="42" name="Conector recto de flecha 41">
+            <a:extLst>
+              <a:ext uri="{FF2B5EF4-FFF2-40B4-BE49-F238E27FC236}">
+                <a16:creationId xmlns:a16="http://schemas.microsoft.com/office/drawing/2014/main" id="{9B3FC783-8A2C-4EF9-9744-1A1FBBC96BA9}"/>
+              </a:ext>
+            </a:extLst>
+          </p:cNvPr>
+          <p:cNvCxnSpPr>
+            <a:cxnSpLocks/>
+            <a:endCxn id="10" idx="0"/>
+          </p:cNvCxnSpPr>
+          <p:nvPr/>
+        </p:nvCxnSpPr>
+        <p:spPr>
+          <a:xfrm>
+            <a:off x="8205200" y="1976137"/>
+            <a:ext cx="0" cy="312656"/>
+          </a:xfrm>
+          <a:prstGeom prst="straightConnector1">
+            <a:avLst/>
+          </a:prstGeom>
+          <a:ln w="12700">
+            <a:tailEnd type="triangle"/>
+          </a:ln>
+        </p:spPr>
+        <p:style>
+          <a:lnRef idx="1">
+            <a:schemeClr val="dk1"/>
+          </a:lnRef>
+          <a:fillRef idx="0">
+            <a:schemeClr val="dk1"/>
+          </a:fillRef>
+          <a:effectRef idx="0">
+            <a:schemeClr val="dk1"/>
+          </a:effectRef>
+          <a:fontRef idx="minor">
+            <a:schemeClr val="tx1"/>
+          </a:fontRef>
+        </p:style>
+      </p:cxnSp>
+      <p:sp>
+        <p:nvSpPr>
+          <p:cNvPr id="47" name="Rectángulo 46">
+            <a:extLst>
+              <a:ext uri="{FF2B5EF4-FFF2-40B4-BE49-F238E27FC236}">
+                <a16:creationId xmlns:a16="http://schemas.microsoft.com/office/drawing/2014/main" id="{41931DD5-3E03-4526-BEFF-BD4496FAA59D}"/>
+              </a:ext>
+            </a:extLst>
+          </p:cNvPr>
+          <p:cNvSpPr/>
+          <p:nvPr/>
+        </p:nvSpPr>
+        <p:spPr>
+          <a:xfrm>
+            <a:off x="8740067" y="916665"/>
+            <a:ext cx="845525" cy="4598086"/>
+          </a:xfrm>
+          <a:prstGeom prst="rect">
+            <a:avLst/>
+          </a:prstGeom>
+          <a:solidFill>
+            <a:schemeClr val="tx2">
+              <a:lumMod val="40000"/>
+              <a:lumOff val="60000"/>
+            </a:schemeClr>
+          </a:solidFill>
+          <a:ln w="28575">
+            <a:solidFill>
+              <a:schemeClr val="tx1"/>
+            </a:solidFill>
+          </a:ln>
+        </p:spPr>
+        <p:style>
+          <a:lnRef idx="2">
+            <a:schemeClr val="accent6"/>
+          </a:lnRef>
+          <a:fillRef idx="1">
+            <a:schemeClr val="lt1"/>
+          </a:fillRef>
+          <a:effectRef idx="0">
+            <a:schemeClr val="accent6"/>
+          </a:effectRef>
+          <a:fontRef idx="minor">
+            <a:schemeClr val="dk1"/>
+          </a:fontRef>
+        </p:style>
+        <p:txBody>
+          <a:bodyPr rtlCol="0" anchor="ctr"/>
+          <a:lstStyle/>
+          <a:p>
+            <a:pPr algn="ctr"/>
+            <a:r>
+              <a:rPr lang="es-ES" b="1" dirty="0"/>
+              <a:t>FRONT</a:t>
+            </a:r>
+          </a:p>
+        </p:txBody>
+      </p:sp>
+      <p:cxnSp>
+        <p:nvCxnSpPr>
+          <p:cNvPr id="17" name="Conector recto de flecha 16">
+            <a:extLst>
+              <a:ext uri="{FF2B5EF4-FFF2-40B4-BE49-F238E27FC236}">
+                <a16:creationId xmlns:a16="http://schemas.microsoft.com/office/drawing/2014/main" id="{4A7BD010-D985-4FDD-82B3-56D0E1A7EEF0}"/>
+              </a:ext>
+            </a:extLst>
+          </p:cNvPr>
+          <p:cNvCxnSpPr>
+            <a:cxnSpLocks/>
+            <a:stCxn id="36" idx="2"/>
+          </p:cNvCxnSpPr>
+          <p:nvPr/>
+        </p:nvCxnSpPr>
+        <p:spPr>
+          <a:xfrm>
+            <a:off x="6221802" y="1976137"/>
+            <a:ext cx="1445" cy="423989"/>
+          </a:xfrm>
+          <a:prstGeom prst="straightConnector1">
+            <a:avLst/>
+          </a:prstGeom>
+          <a:ln w="12700">
+            <a:tailEnd type="triangle"/>
+          </a:ln>
+        </p:spPr>
+        <p:style>
+          <a:lnRef idx="1">
+            <a:schemeClr val="dk1"/>
+          </a:lnRef>
+          <a:fillRef idx="0">
+            <a:schemeClr val="dk1"/>
+          </a:fillRef>
+          <a:effectRef idx="0">
+            <a:schemeClr val="dk1"/>
+          </a:effectRef>
+          <a:fontRef idx="minor">
+            <a:schemeClr val="tx1"/>
+          </a:fontRef>
+        </p:style>
+      </p:cxnSp>
+    </p:spTree>
+    <p:extLst>
+      <p:ext uri="{BB962C8B-B14F-4D97-AF65-F5344CB8AC3E}">
+        <p14:creationId xmlns:p14="http://schemas.microsoft.com/office/powerpoint/2010/main" val="3623505196"/>
+      </p:ext>
+    </p:extLst>
+  </p:cSld>
+  <p:clrMapOvr>
+    <a:masterClrMapping/>
+  </p:clrMapOvr>
+</p:sld>
+</file>
+
+<file path=ppt/slides/slide3.xml><?xml version="1.0" encoding="utf-8"?>
 <p:sld xmlns:a="http://schemas.openxmlformats.org/drawingml/2006/main" xmlns:r="http://schemas.openxmlformats.org/officeDocument/2006/relationships" xmlns:p="http://schemas.openxmlformats.org/presentationml/2006/main">
   <p:cSld>
     <p:spTree>

--- a/Trabajo/Imagenes/capas.pptx
+++ b/Trabajo/Imagenes/capas.pptx
@@ -8,6 +8,7 @@
     <p:sldId id="256" r:id="rId2"/>
     <p:sldId id="259" r:id="rId3"/>
     <p:sldId id="257" r:id="rId4"/>
+    <p:sldId id="260" r:id="rId5"/>
   </p:sldIdLst>
   <p:sldSz cx="12192000" cy="6858000"/>
   <p:notesSz cx="6858000" cy="9144000"/>
@@ -261,7 +262,7 @@
           <a:p>
             <a:fld id="{4E20A10A-D7BC-4F9D-BC1F-BCE60F8C2BA9}" type="datetimeFigureOut">
               <a:rPr lang="es-ES" smtClean="0"/>
-              <a:t>10/09/2018</a:t>
+              <a:t>11/09/2018</a:t>
             </a:fld>
             <a:endParaRPr lang="es-ES"/>
           </a:p>
@@ -459,7 +460,7 @@
           <a:p>
             <a:fld id="{4E20A10A-D7BC-4F9D-BC1F-BCE60F8C2BA9}" type="datetimeFigureOut">
               <a:rPr lang="es-ES" smtClean="0"/>
-              <a:t>10/09/2018</a:t>
+              <a:t>11/09/2018</a:t>
             </a:fld>
             <a:endParaRPr lang="es-ES"/>
           </a:p>
@@ -667,7 +668,7 @@
           <a:p>
             <a:fld id="{4E20A10A-D7BC-4F9D-BC1F-BCE60F8C2BA9}" type="datetimeFigureOut">
               <a:rPr lang="es-ES" smtClean="0"/>
-              <a:t>10/09/2018</a:t>
+              <a:t>11/09/2018</a:t>
             </a:fld>
             <a:endParaRPr lang="es-ES"/>
           </a:p>
@@ -865,7 +866,7 @@
           <a:p>
             <a:fld id="{4E20A10A-D7BC-4F9D-BC1F-BCE60F8C2BA9}" type="datetimeFigureOut">
               <a:rPr lang="es-ES" smtClean="0"/>
-              <a:t>10/09/2018</a:t>
+              <a:t>11/09/2018</a:t>
             </a:fld>
             <a:endParaRPr lang="es-ES"/>
           </a:p>
@@ -1140,7 +1141,7 @@
           <a:p>
             <a:fld id="{4E20A10A-D7BC-4F9D-BC1F-BCE60F8C2BA9}" type="datetimeFigureOut">
               <a:rPr lang="es-ES" smtClean="0"/>
-              <a:t>10/09/2018</a:t>
+              <a:t>11/09/2018</a:t>
             </a:fld>
             <a:endParaRPr lang="es-ES"/>
           </a:p>
@@ -1405,7 +1406,7 @@
           <a:p>
             <a:fld id="{4E20A10A-D7BC-4F9D-BC1F-BCE60F8C2BA9}" type="datetimeFigureOut">
               <a:rPr lang="es-ES" smtClean="0"/>
-              <a:t>10/09/2018</a:t>
+              <a:t>11/09/2018</a:t>
             </a:fld>
             <a:endParaRPr lang="es-ES"/>
           </a:p>
@@ -1817,7 +1818,7 @@
           <a:p>
             <a:fld id="{4E20A10A-D7BC-4F9D-BC1F-BCE60F8C2BA9}" type="datetimeFigureOut">
               <a:rPr lang="es-ES" smtClean="0"/>
-              <a:t>10/09/2018</a:t>
+              <a:t>11/09/2018</a:t>
             </a:fld>
             <a:endParaRPr lang="es-ES"/>
           </a:p>
@@ -1958,7 +1959,7 @@
           <a:p>
             <a:fld id="{4E20A10A-D7BC-4F9D-BC1F-BCE60F8C2BA9}" type="datetimeFigureOut">
               <a:rPr lang="es-ES" smtClean="0"/>
-              <a:t>10/09/2018</a:t>
+              <a:t>11/09/2018</a:t>
             </a:fld>
             <a:endParaRPr lang="es-ES"/>
           </a:p>
@@ -2071,7 +2072,7 @@
           <a:p>
             <a:fld id="{4E20A10A-D7BC-4F9D-BC1F-BCE60F8C2BA9}" type="datetimeFigureOut">
               <a:rPr lang="es-ES" smtClean="0"/>
-              <a:t>10/09/2018</a:t>
+              <a:t>11/09/2018</a:t>
             </a:fld>
             <a:endParaRPr lang="es-ES"/>
           </a:p>
@@ -2382,7 +2383,7 @@
           <a:p>
             <a:fld id="{4E20A10A-D7BC-4F9D-BC1F-BCE60F8C2BA9}" type="datetimeFigureOut">
               <a:rPr lang="es-ES" smtClean="0"/>
-              <a:t>10/09/2018</a:t>
+              <a:t>11/09/2018</a:t>
             </a:fld>
             <a:endParaRPr lang="es-ES"/>
           </a:p>
@@ -2670,7 +2671,7 @@
           <a:p>
             <a:fld id="{4E20A10A-D7BC-4F9D-BC1F-BCE60F8C2BA9}" type="datetimeFigureOut">
               <a:rPr lang="es-ES" smtClean="0"/>
-              <a:t>10/09/2018</a:t>
+              <a:t>11/09/2018</a:t>
             </a:fld>
             <a:endParaRPr lang="es-ES"/>
           </a:p>
@@ -2911,7 +2912,7 @@
           <a:p>
             <a:fld id="{4E20A10A-D7BC-4F9D-BC1F-BCE60F8C2BA9}" type="datetimeFigureOut">
               <a:rPr lang="es-ES" smtClean="0"/>
-              <a:t>10/09/2018</a:t>
+              <a:t>11/09/2018</a:t>
             </a:fld>
             <a:endParaRPr lang="es-ES"/>
           </a:p>
@@ -6823,6 +6824,1228 @@
 </p:sld>
 </file>
 
+<file path=ppt/slides/slide4.xml><?xml version="1.0" encoding="utf-8"?>
+<p:sld xmlns:a="http://schemas.openxmlformats.org/drawingml/2006/main" xmlns:r="http://schemas.openxmlformats.org/officeDocument/2006/relationships" xmlns:p="http://schemas.openxmlformats.org/presentationml/2006/main">
+  <p:cSld>
+    <p:spTree>
+      <p:nvGrpSpPr>
+        <p:cNvPr id="1" name=""/>
+        <p:cNvGrpSpPr/>
+        <p:nvPr/>
+      </p:nvGrpSpPr>
+      <p:grpSpPr>
+        <a:xfrm>
+          <a:off x="0" y="0"/>
+          <a:ext cx="0" cy="0"/>
+          <a:chOff x="0" y="0"/>
+          <a:chExt cx="0" cy="0"/>
+        </a:xfrm>
+      </p:grpSpPr>
+      <p:grpSp>
+        <p:nvGrpSpPr>
+          <p:cNvPr id="19" name="Grupo 18">
+            <a:extLst>
+              <a:ext uri="{FF2B5EF4-FFF2-40B4-BE49-F238E27FC236}">
+                <a16:creationId xmlns:a16="http://schemas.microsoft.com/office/drawing/2014/main" id="{9E2524F3-2475-4336-BD69-7A8EC8BC60C7}"/>
+              </a:ext>
+            </a:extLst>
+          </p:cNvPr>
+          <p:cNvGrpSpPr/>
+          <p:nvPr/>
+        </p:nvGrpSpPr>
+        <p:grpSpPr>
+          <a:xfrm>
+            <a:off x="3062650" y="1863968"/>
+            <a:ext cx="5804386" cy="4580794"/>
+            <a:chOff x="3062650" y="1863968"/>
+            <a:chExt cx="5804386" cy="4580794"/>
+          </a:xfrm>
+          <a:effectLst>
+            <a:outerShdw blurRad="50800" dist="38100" dir="2700000" algn="tl" rotWithShape="0">
+              <a:prstClr val="black">
+                <a:alpha val="40000"/>
+              </a:prstClr>
+            </a:outerShdw>
+          </a:effectLst>
+        </p:grpSpPr>
+        <p:sp>
+          <p:nvSpPr>
+            <p:cNvPr id="6" name="Rectángulo 5">
+              <a:extLst>
+                <a:ext uri="{FF2B5EF4-FFF2-40B4-BE49-F238E27FC236}">
+                  <a16:creationId xmlns:a16="http://schemas.microsoft.com/office/drawing/2014/main" id="{6979D64F-9310-4629-A11F-6F68CBB6FAAF}"/>
+                </a:ext>
+              </a:extLst>
+            </p:cNvPr>
+            <p:cNvSpPr/>
+            <p:nvPr/>
+          </p:nvSpPr>
+          <p:spPr>
+            <a:xfrm>
+              <a:off x="3062650" y="1863969"/>
+              <a:ext cx="4964724" cy="4580793"/>
+            </a:xfrm>
+            <a:prstGeom prst="rect">
+              <a:avLst/>
+            </a:prstGeom>
+            <a:solidFill>
+              <a:schemeClr val="bg1">
+                <a:lumMod val="95000"/>
+              </a:schemeClr>
+            </a:solidFill>
+            <a:ln w="28575">
+              <a:solidFill>
+                <a:schemeClr val="tx1"/>
+              </a:solidFill>
+            </a:ln>
+          </p:spPr>
+          <p:style>
+            <a:lnRef idx="2">
+              <a:schemeClr val="accent6"/>
+            </a:lnRef>
+            <a:fillRef idx="1">
+              <a:schemeClr val="lt1"/>
+            </a:fillRef>
+            <a:effectRef idx="0">
+              <a:schemeClr val="accent6"/>
+            </a:effectRef>
+            <a:fontRef idx="minor">
+              <a:schemeClr val="dk1"/>
+            </a:fontRef>
+          </p:style>
+          <p:txBody>
+            <a:bodyPr rtlCol="0" anchor="ctr"/>
+            <a:lstStyle/>
+            <a:p>
+              <a:pPr algn="ctr"/>
+              <a:endParaRPr lang="es-ES"/>
+            </a:p>
+          </p:txBody>
+        </p:sp>
+        <p:sp>
+          <p:nvSpPr>
+            <p:cNvPr id="48" name="Rectángulo 47">
+              <a:extLst>
+                <a:ext uri="{FF2B5EF4-FFF2-40B4-BE49-F238E27FC236}">
+                  <a16:creationId xmlns:a16="http://schemas.microsoft.com/office/drawing/2014/main" id="{7F9022DC-4CDF-4C90-8FE5-29C2257F1C50}"/>
+                </a:ext>
+              </a:extLst>
+            </p:cNvPr>
+            <p:cNvSpPr/>
+            <p:nvPr/>
+          </p:nvSpPr>
+          <p:spPr>
+            <a:xfrm>
+              <a:off x="8021511" y="1863968"/>
+              <a:ext cx="845525" cy="4580793"/>
+            </a:xfrm>
+            <a:prstGeom prst="rect">
+              <a:avLst/>
+            </a:prstGeom>
+            <a:solidFill>
+              <a:schemeClr val="bg1">
+                <a:lumMod val="95000"/>
+              </a:schemeClr>
+            </a:solidFill>
+            <a:ln w="28575">
+              <a:solidFill>
+                <a:schemeClr val="tx1"/>
+              </a:solidFill>
+            </a:ln>
+          </p:spPr>
+          <p:style>
+            <a:lnRef idx="2">
+              <a:schemeClr val="accent6"/>
+            </a:lnRef>
+            <a:fillRef idx="1">
+              <a:schemeClr val="lt1"/>
+            </a:fillRef>
+            <a:effectRef idx="0">
+              <a:schemeClr val="accent6"/>
+            </a:effectRef>
+            <a:fontRef idx="minor">
+              <a:schemeClr val="dk1"/>
+            </a:fontRef>
+          </p:style>
+          <p:txBody>
+            <a:bodyPr rtlCol="0" anchor="ctr"/>
+            <a:lstStyle/>
+            <a:p>
+              <a:pPr algn="ctr"/>
+              <a:r>
+                <a:rPr lang="es-ES" b="1" dirty="0"/>
+                <a:t>BACK</a:t>
+              </a:r>
+            </a:p>
+          </p:txBody>
+        </p:sp>
+      </p:grpSp>
+      <p:grpSp>
+        <p:nvGrpSpPr>
+          <p:cNvPr id="17" name="Grupo 16">
+            <a:extLst>
+              <a:ext uri="{FF2B5EF4-FFF2-40B4-BE49-F238E27FC236}">
+                <a16:creationId xmlns:a16="http://schemas.microsoft.com/office/drawing/2014/main" id="{E02DF9B7-6992-41E6-874F-D65DE596C926}"/>
+              </a:ext>
+            </a:extLst>
+          </p:cNvPr>
+          <p:cNvGrpSpPr/>
+          <p:nvPr/>
+        </p:nvGrpSpPr>
+        <p:grpSpPr>
+          <a:xfrm>
+            <a:off x="3062650" y="448375"/>
+            <a:ext cx="5810249" cy="997961"/>
+            <a:chOff x="3062650" y="448375"/>
+            <a:chExt cx="5810249" cy="997961"/>
+          </a:xfrm>
+          <a:effectLst>
+            <a:outerShdw blurRad="50800" dist="38100" dir="2700000" algn="tl" rotWithShape="0">
+              <a:prstClr val="black">
+                <a:alpha val="40000"/>
+              </a:prstClr>
+            </a:outerShdw>
+          </a:effectLst>
+        </p:grpSpPr>
+        <p:sp>
+          <p:nvSpPr>
+            <p:cNvPr id="37" name="Rectángulo 36">
+              <a:extLst>
+                <a:ext uri="{FF2B5EF4-FFF2-40B4-BE49-F238E27FC236}">
+                  <a16:creationId xmlns:a16="http://schemas.microsoft.com/office/drawing/2014/main" id="{6B88FD8B-F710-405F-BFA2-2BCFC9F4E5B6}"/>
+                </a:ext>
+              </a:extLst>
+            </p:cNvPr>
+            <p:cNvSpPr/>
+            <p:nvPr/>
+          </p:nvSpPr>
+          <p:spPr>
+            <a:xfrm>
+              <a:off x="3062650" y="448375"/>
+              <a:ext cx="4964724" cy="997961"/>
+            </a:xfrm>
+            <a:prstGeom prst="rect">
+              <a:avLst/>
+            </a:prstGeom>
+            <a:solidFill>
+              <a:schemeClr val="tx2">
+                <a:lumMod val="40000"/>
+                <a:lumOff val="60000"/>
+              </a:schemeClr>
+            </a:solidFill>
+            <a:ln w="28575">
+              <a:solidFill>
+                <a:schemeClr val="tx1"/>
+              </a:solidFill>
+            </a:ln>
+          </p:spPr>
+          <p:style>
+            <a:lnRef idx="2">
+              <a:schemeClr val="accent6"/>
+            </a:lnRef>
+            <a:fillRef idx="1">
+              <a:schemeClr val="lt1"/>
+            </a:fillRef>
+            <a:effectRef idx="0">
+              <a:schemeClr val="accent6"/>
+            </a:effectRef>
+            <a:fontRef idx="minor">
+              <a:schemeClr val="dk1"/>
+            </a:fontRef>
+          </p:style>
+          <p:txBody>
+            <a:bodyPr rtlCol="0" anchor="ctr"/>
+            <a:lstStyle/>
+            <a:p>
+              <a:pPr algn="ctr"/>
+              <a:endParaRPr lang="es-ES"/>
+            </a:p>
+          </p:txBody>
+        </p:sp>
+        <p:sp>
+          <p:nvSpPr>
+            <p:cNvPr id="47" name="Rectángulo 46">
+              <a:extLst>
+                <a:ext uri="{FF2B5EF4-FFF2-40B4-BE49-F238E27FC236}">
+                  <a16:creationId xmlns:a16="http://schemas.microsoft.com/office/drawing/2014/main" id="{41931DD5-3E03-4526-BEFF-BD4496FAA59D}"/>
+                </a:ext>
+              </a:extLst>
+            </p:cNvPr>
+            <p:cNvSpPr/>
+            <p:nvPr/>
+          </p:nvSpPr>
+          <p:spPr>
+            <a:xfrm>
+              <a:off x="8027374" y="448375"/>
+              <a:ext cx="845525" cy="997961"/>
+            </a:xfrm>
+            <a:prstGeom prst="rect">
+              <a:avLst/>
+            </a:prstGeom>
+            <a:solidFill>
+              <a:schemeClr val="tx2">
+                <a:lumMod val="40000"/>
+                <a:lumOff val="60000"/>
+              </a:schemeClr>
+            </a:solidFill>
+            <a:ln w="28575">
+              <a:solidFill>
+                <a:schemeClr val="tx1"/>
+              </a:solidFill>
+            </a:ln>
+          </p:spPr>
+          <p:style>
+            <a:lnRef idx="2">
+              <a:schemeClr val="accent6"/>
+            </a:lnRef>
+            <a:fillRef idx="1">
+              <a:schemeClr val="lt1"/>
+            </a:fillRef>
+            <a:effectRef idx="0">
+              <a:schemeClr val="accent6"/>
+            </a:effectRef>
+            <a:fontRef idx="minor">
+              <a:schemeClr val="dk1"/>
+            </a:fontRef>
+          </p:style>
+          <p:txBody>
+            <a:bodyPr rtlCol="0" anchor="ctr"/>
+            <a:lstStyle/>
+            <a:p>
+              <a:pPr algn="ctr"/>
+              <a:r>
+                <a:rPr lang="es-ES" b="1" dirty="0"/>
+                <a:t>FRONT</a:t>
+              </a:r>
+            </a:p>
+          </p:txBody>
+        </p:sp>
+      </p:grpSp>
+      <p:sp>
+        <p:nvSpPr>
+          <p:cNvPr id="5" name="Rectángulo: esquinas redondeadas 4">
+            <a:extLst>
+              <a:ext uri="{FF2B5EF4-FFF2-40B4-BE49-F238E27FC236}">
+                <a16:creationId xmlns:a16="http://schemas.microsoft.com/office/drawing/2014/main" id="{2682F39D-1A51-42A8-8FE1-CDABF8504051}"/>
+              </a:ext>
+            </a:extLst>
+          </p:cNvPr>
+          <p:cNvSpPr/>
+          <p:nvPr/>
+        </p:nvSpPr>
+        <p:spPr>
+          <a:xfrm>
+            <a:off x="3159364" y="2259623"/>
+            <a:ext cx="3593124" cy="677008"/>
+          </a:xfrm>
+          <a:prstGeom prst="roundRect">
+            <a:avLst/>
+          </a:prstGeom>
+          <a:ln w="19050"/>
+          <a:effectLst>
+            <a:outerShdw blurRad="50800" dist="38100" dir="5400000" algn="t" rotWithShape="0">
+              <a:prstClr val="black">
+                <a:alpha val="40000"/>
+              </a:prstClr>
+            </a:outerShdw>
+          </a:effectLst>
+        </p:spPr>
+        <p:style>
+          <a:lnRef idx="2">
+            <a:schemeClr val="accent6"/>
+          </a:lnRef>
+          <a:fillRef idx="1">
+            <a:schemeClr val="lt1"/>
+          </a:fillRef>
+          <a:effectRef idx="0">
+            <a:schemeClr val="accent6"/>
+          </a:effectRef>
+          <a:fontRef idx="minor">
+            <a:schemeClr val="dk1"/>
+          </a:fontRef>
+        </p:style>
+        <p:txBody>
+          <a:bodyPr rtlCol="0" anchor="ctr"/>
+          <a:lstStyle/>
+          <a:p>
+            <a:pPr algn="ctr"/>
+            <a:r>
+              <a:rPr lang="es-ES" dirty="0"/>
+              <a:t>Servicios</a:t>
+            </a:r>
+          </a:p>
+        </p:txBody>
+      </p:sp>
+      <p:sp>
+        <p:nvSpPr>
+          <p:cNvPr id="7" name="Rectángulo: esquinas redondeadas 6">
+            <a:extLst>
+              <a:ext uri="{FF2B5EF4-FFF2-40B4-BE49-F238E27FC236}">
+                <a16:creationId xmlns:a16="http://schemas.microsoft.com/office/drawing/2014/main" id="{341BDB46-0EBA-43ED-BB4C-28FA7FB1BB81}"/>
+              </a:ext>
+            </a:extLst>
+          </p:cNvPr>
+          <p:cNvSpPr/>
+          <p:nvPr/>
+        </p:nvSpPr>
+        <p:spPr>
+          <a:xfrm>
+            <a:off x="3159364" y="3332284"/>
+            <a:ext cx="3593124" cy="677008"/>
+          </a:xfrm>
+          <a:prstGeom prst="roundRect">
+            <a:avLst/>
+          </a:prstGeom>
+          <a:ln w="19050"/>
+          <a:effectLst>
+            <a:outerShdw blurRad="50800" dist="38100" dir="5400000" algn="t" rotWithShape="0">
+              <a:prstClr val="black">
+                <a:alpha val="40000"/>
+              </a:prstClr>
+            </a:outerShdw>
+          </a:effectLst>
+        </p:spPr>
+        <p:style>
+          <a:lnRef idx="2">
+            <a:schemeClr val="accent6"/>
+          </a:lnRef>
+          <a:fillRef idx="1">
+            <a:schemeClr val="lt1"/>
+          </a:fillRef>
+          <a:effectRef idx="0">
+            <a:schemeClr val="accent6"/>
+          </a:effectRef>
+          <a:fontRef idx="minor">
+            <a:schemeClr val="dk1"/>
+          </a:fontRef>
+        </p:style>
+        <p:txBody>
+          <a:bodyPr rtlCol="0" anchor="ctr"/>
+          <a:lstStyle/>
+          <a:p>
+            <a:pPr algn="ctr"/>
+            <a:r>
+              <a:rPr lang="es-ES" dirty="0"/>
+              <a:t>Aplicación</a:t>
+            </a:r>
+          </a:p>
+        </p:txBody>
+      </p:sp>
+      <p:sp>
+        <p:nvSpPr>
+          <p:cNvPr id="8" name="Rectángulo: esquinas redondeadas 7">
+            <a:extLst>
+              <a:ext uri="{FF2B5EF4-FFF2-40B4-BE49-F238E27FC236}">
+                <a16:creationId xmlns:a16="http://schemas.microsoft.com/office/drawing/2014/main" id="{262F7F2B-AA99-4B5F-AFB2-7936AB52DA79}"/>
+              </a:ext>
+            </a:extLst>
+          </p:cNvPr>
+          <p:cNvSpPr/>
+          <p:nvPr/>
+        </p:nvSpPr>
+        <p:spPr>
+          <a:xfrm>
+            <a:off x="3159364" y="4404945"/>
+            <a:ext cx="2549771" cy="677008"/>
+          </a:xfrm>
+          <a:prstGeom prst="roundRect">
+            <a:avLst/>
+          </a:prstGeom>
+          <a:ln w="19050"/>
+          <a:effectLst>
+            <a:outerShdw blurRad="50800" dist="38100" dir="5400000" algn="t" rotWithShape="0">
+              <a:prstClr val="black">
+                <a:alpha val="40000"/>
+              </a:prstClr>
+            </a:outerShdw>
+          </a:effectLst>
+        </p:spPr>
+        <p:style>
+          <a:lnRef idx="2">
+            <a:schemeClr val="accent6"/>
+          </a:lnRef>
+          <a:fillRef idx="1">
+            <a:schemeClr val="lt1"/>
+          </a:fillRef>
+          <a:effectRef idx="0">
+            <a:schemeClr val="accent6"/>
+          </a:effectRef>
+          <a:fontRef idx="minor">
+            <a:schemeClr val="dk1"/>
+          </a:fontRef>
+        </p:style>
+        <p:txBody>
+          <a:bodyPr rtlCol="0" anchor="ctr"/>
+          <a:lstStyle/>
+          <a:p>
+            <a:pPr algn="ctr"/>
+            <a:r>
+              <a:rPr lang="es-ES" dirty="0"/>
+              <a:t>Dominio</a:t>
+            </a:r>
+          </a:p>
+        </p:txBody>
+      </p:sp>
+      <p:sp>
+        <p:nvSpPr>
+          <p:cNvPr id="9" name="Rectángulo: esquinas redondeadas 8">
+            <a:extLst>
+              <a:ext uri="{FF2B5EF4-FFF2-40B4-BE49-F238E27FC236}">
+                <a16:creationId xmlns:a16="http://schemas.microsoft.com/office/drawing/2014/main" id="{4DED55B2-1A9C-4BC2-AECB-ED384998E5A0}"/>
+              </a:ext>
+            </a:extLst>
+          </p:cNvPr>
+          <p:cNvSpPr/>
+          <p:nvPr/>
+        </p:nvSpPr>
+        <p:spPr>
+          <a:xfrm>
+            <a:off x="3159364" y="5464417"/>
+            <a:ext cx="3593124" cy="677008"/>
+          </a:xfrm>
+          <a:prstGeom prst="roundRect">
+            <a:avLst/>
+          </a:prstGeom>
+          <a:ln w="19050"/>
+          <a:effectLst>
+            <a:outerShdw blurRad="50800" dist="38100" dir="5400000" algn="t" rotWithShape="0">
+              <a:prstClr val="black">
+                <a:alpha val="40000"/>
+              </a:prstClr>
+            </a:outerShdw>
+          </a:effectLst>
+        </p:spPr>
+        <p:style>
+          <a:lnRef idx="2">
+            <a:schemeClr val="accent6"/>
+          </a:lnRef>
+          <a:fillRef idx="1">
+            <a:schemeClr val="lt1"/>
+          </a:fillRef>
+          <a:effectRef idx="0">
+            <a:schemeClr val="accent6"/>
+          </a:effectRef>
+          <a:fontRef idx="minor">
+            <a:schemeClr val="dk1"/>
+          </a:fontRef>
+        </p:style>
+        <p:txBody>
+          <a:bodyPr rtlCol="0" anchor="ctr"/>
+          <a:lstStyle/>
+          <a:p>
+            <a:pPr algn="ctr"/>
+            <a:r>
+              <a:rPr lang="es-ES" dirty="0"/>
+              <a:t>Persistencia</a:t>
+            </a:r>
+          </a:p>
+        </p:txBody>
+      </p:sp>
+      <p:sp>
+        <p:nvSpPr>
+          <p:cNvPr id="10" name="Rectángulo: esquinas redondeadas 9">
+            <a:extLst>
+              <a:ext uri="{FF2B5EF4-FFF2-40B4-BE49-F238E27FC236}">
+                <a16:creationId xmlns:a16="http://schemas.microsoft.com/office/drawing/2014/main" id="{41DCD4AD-43B3-4D12-97A5-0EA4E0797571}"/>
+              </a:ext>
+            </a:extLst>
+          </p:cNvPr>
+          <p:cNvSpPr/>
+          <p:nvPr/>
+        </p:nvSpPr>
+        <p:spPr>
+          <a:xfrm>
+            <a:off x="7126160" y="2259623"/>
+            <a:ext cx="732694" cy="3881802"/>
+          </a:xfrm>
+          <a:prstGeom prst="roundRect">
+            <a:avLst/>
+          </a:prstGeom>
+          <a:ln w="19050"/>
+          <a:effectLst>
+            <a:outerShdw blurRad="50800" dist="38100" dir="5400000" algn="t" rotWithShape="0">
+              <a:prstClr val="black">
+                <a:alpha val="40000"/>
+              </a:prstClr>
+            </a:outerShdw>
+          </a:effectLst>
+        </p:spPr>
+        <p:style>
+          <a:lnRef idx="2">
+            <a:schemeClr val="accent6"/>
+          </a:lnRef>
+          <a:fillRef idx="1">
+            <a:schemeClr val="lt1"/>
+          </a:fillRef>
+          <a:effectRef idx="0">
+            <a:schemeClr val="accent6"/>
+          </a:effectRef>
+          <a:fontRef idx="minor">
+            <a:schemeClr val="dk1"/>
+          </a:fontRef>
+        </p:style>
+        <p:txBody>
+          <a:bodyPr rtlCol="0" anchor="ctr"/>
+          <a:lstStyle/>
+          <a:p>
+            <a:pPr algn="ctr"/>
+            <a:r>
+              <a:rPr lang="es-ES" dirty="0"/>
+              <a:t>C</a:t>
+            </a:r>
+          </a:p>
+          <a:p>
+            <a:pPr algn="ctr"/>
+            <a:r>
+              <a:rPr lang="es-ES" dirty="0"/>
+              <a:t>o</a:t>
+            </a:r>
+          </a:p>
+          <a:p>
+            <a:pPr algn="ctr"/>
+            <a:r>
+              <a:rPr lang="es-ES" dirty="0"/>
+              <a:t>n</a:t>
+            </a:r>
+          </a:p>
+          <a:p>
+            <a:pPr algn="ctr"/>
+            <a:r>
+              <a:rPr lang="es-ES" dirty="0"/>
+              <a:t>t</a:t>
+            </a:r>
+          </a:p>
+          <a:p>
+            <a:pPr algn="ctr"/>
+            <a:r>
+              <a:rPr lang="es-ES" dirty="0"/>
+              <a:t>r</a:t>
+            </a:r>
+          </a:p>
+          <a:p>
+            <a:pPr algn="ctr"/>
+            <a:r>
+              <a:rPr lang="es-ES" dirty="0"/>
+              <a:t>a</a:t>
+            </a:r>
+          </a:p>
+          <a:p>
+            <a:pPr algn="ctr"/>
+            <a:r>
+              <a:rPr lang="es-ES" dirty="0"/>
+              <a:t>t</a:t>
+            </a:r>
+          </a:p>
+          <a:p>
+            <a:pPr algn="ctr"/>
+            <a:r>
+              <a:rPr lang="es-ES" dirty="0"/>
+              <a:t>o</a:t>
+            </a:r>
+          </a:p>
+          <a:p>
+            <a:pPr algn="ctr"/>
+            <a:r>
+              <a:rPr lang="es-ES" dirty="0"/>
+              <a:t>s</a:t>
+            </a:r>
+          </a:p>
+        </p:txBody>
+      </p:sp>
+      <p:sp>
+        <p:nvSpPr>
+          <p:cNvPr id="11" name="Diagrama de flujo: disco magnético 10">
+            <a:extLst>
+              <a:ext uri="{FF2B5EF4-FFF2-40B4-BE49-F238E27FC236}">
+                <a16:creationId xmlns:a16="http://schemas.microsoft.com/office/drawing/2014/main" id="{50F40281-833C-4CD3-AA63-7D6C387BC55A}"/>
+              </a:ext>
+            </a:extLst>
+          </p:cNvPr>
+          <p:cNvSpPr/>
+          <p:nvPr/>
+        </p:nvSpPr>
+        <p:spPr>
+          <a:xfrm>
+            <a:off x="1387715" y="5187461"/>
+            <a:ext cx="808893" cy="1257300"/>
+          </a:xfrm>
+          <a:prstGeom prst="flowChartMagneticDisk">
+            <a:avLst/>
+          </a:prstGeom>
+          <a:solidFill>
+            <a:schemeClr val="accent4">
+              <a:lumMod val="60000"/>
+              <a:lumOff val="40000"/>
+            </a:schemeClr>
+          </a:solidFill>
+          <a:ln w="19050">
+            <a:solidFill>
+              <a:schemeClr val="tx1"/>
+            </a:solidFill>
+          </a:ln>
+          <a:effectLst>
+            <a:outerShdw blurRad="50800" dist="38100" dir="2700000" algn="tl" rotWithShape="0">
+              <a:prstClr val="black">
+                <a:alpha val="40000"/>
+              </a:prstClr>
+            </a:outerShdw>
+          </a:effectLst>
+        </p:spPr>
+        <p:style>
+          <a:lnRef idx="2">
+            <a:schemeClr val="accent1">
+              <a:shade val="50000"/>
+            </a:schemeClr>
+          </a:lnRef>
+          <a:fillRef idx="1">
+            <a:schemeClr val="accent1"/>
+          </a:fillRef>
+          <a:effectRef idx="0">
+            <a:schemeClr val="accent1"/>
+          </a:effectRef>
+          <a:fontRef idx="minor">
+            <a:schemeClr val="lt1"/>
+          </a:fontRef>
+        </p:style>
+        <p:txBody>
+          <a:bodyPr rtlCol="0" anchor="ctr"/>
+          <a:lstStyle/>
+          <a:p>
+            <a:pPr algn="ctr"/>
+            <a:r>
+              <a:rPr lang="es-ES" b="1" dirty="0">
+                <a:solidFill>
+                  <a:schemeClr val="tx1"/>
+                </a:solidFill>
+              </a:rPr>
+              <a:t>BD</a:t>
+            </a:r>
+          </a:p>
+        </p:txBody>
+      </p:sp>
+      <p:cxnSp>
+        <p:nvCxnSpPr>
+          <p:cNvPr id="16" name="Conector recto de flecha 15">
+            <a:extLst>
+              <a:ext uri="{FF2B5EF4-FFF2-40B4-BE49-F238E27FC236}">
+                <a16:creationId xmlns:a16="http://schemas.microsoft.com/office/drawing/2014/main" id="{68B52F3B-B266-46E5-B0B8-F142999F0B38}"/>
+              </a:ext>
+            </a:extLst>
+          </p:cNvPr>
+          <p:cNvCxnSpPr>
+            <a:stCxn id="9" idx="0"/>
+          </p:cNvCxnSpPr>
+          <p:nvPr/>
+        </p:nvCxnSpPr>
+        <p:spPr>
+          <a:xfrm flipV="1">
+            <a:off x="4955926" y="5081953"/>
+            <a:ext cx="0" cy="382464"/>
+          </a:xfrm>
+          <a:prstGeom prst="straightConnector1">
+            <a:avLst/>
+          </a:prstGeom>
+          <a:ln>
+            <a:tailEnd type="triangle"/>
+          </a:ln>
+        </p:spPr>
+        <p:style>
+          <a:lnRef idx="1">
+            <a:schemeClr val="dk1"/>
+          </a:lnRef>
+          <a:fillRef idx="0">
+            <a:schemeClr val="dk1"/>
+          </a:fillRef>
+          <a:effectRef idx="0">
+            <a:schemeClr val="dk1"/>
+          </a:effectRef>
+          <a:fontRef idx="minor">
+            <a:schemeClr val="tx1"/>
+          </a:fontRef>
+        </p:style>
+      </p:cxnSp>
+      <p:cxnSp>
+        <p:nvCxnSpPr>
+          <p:cNvPr id="18" name="Conector recto de flecha 17">
+            <a:extLst>
+              <a:ext uri="{FF2B5EF4-FFF2-40B4-BE49-F238E27FC236}">
+                <a16:creationId xmlns:a16="http://schemas.microsoft.com/office/drawing/2014/main" id="{F05CD4C1-CFB8-4929-90D8-8555B9E36A26}"/>
+              </a:ext>
+            </a:extLst>
+          </p:cNvPr>
+          <p:cNvCxnSpPr>
+            <a:cxnSpLocks/>
+            <a:stCxn id="5" idx="3"/>
+          </p:cNvCxnSpPr>
+          <p:nvPr/>
+        </p:nvCxnSpPr>
+        <p:spPr>
+          <a:xfrm>
+            <a:off x="6752488" y="2598127"/>
+            <a:ext cx="373672" cy="0"/>
+          </a:xfrm>
+          <a:prstGeom prst="straightConnector1">
+            <a:avLst/>
+          </a:prstGeom>
+          <a:ln w="12700">
+            <a:tailEnd type="triangle"/>
+          </a:ln>
+        </p:spPr>
+        <p:style>
+          <a:lnRef idx="1">
+            <a:schemeClr val="dk1"/>
+          </a:lnRef>
+          <a:fillRef idx="0">
+            <a:schemeClr val="dk1"/>
+          </a:fillRef>
+          <a:effectRef idx="0">
+            <a:schemeClr val="dk1"/>
+          </a:effectRef>
+          <a:fontRef idx="minor">
+            <a:schemeClr val="tx1"/>
+          </a:fontRef>
+        </p:style>
+      </p:cxnSp>
+      <p:cxnSp>
+        <p:nvCxnSpPr>
+          <p:cNvPr id="21" name="Conector recto de flecha 20">
+            <a:extLst>
+              <a:ext uri="{FF2B5EF4-FFF2-40B4-BE49-F238E27FC236}">
+                <a16:creationId xmlns:a16="http://schemas.microsoft.com/office/drawing/2014/main" id="{47783A7F-4B31-4F2C-9626-F5A88DA675BF}"/>
+              </a:ext>
+            </a:extLst>
+          </p:cNvPr>
+          <p:cNvCxnSpPr>
+            <a:cxnSpLocks/>
+            <a:stCxn id="7" idx="3"/>
+          </p:cNvCxnSpPr>
+          <p:nvPr/>
+        </p:nvCxnSpPr>
+        <p:spPr>
+          <a:xfrm>
+            <a:off x="6752488" y="3670788"/>
+            <a:ext cx="373672" cy="0"/>
+          </a:xfrm>
+          <a:prstGeom prst="straightConnector1">
+            <a:avLst/>
+          </a:prstGeom>
+          <a:ln w="12700">
+            <a:tailEnd type="triangle"/>
+          </a:ln>
+        </p:spPr>
+        <p:style>
+          <a:lnRef idx="1">
+            <a:schemeClr val="dk1"/>
+          </a:lnRef>
+          <a:fillRef idx="0">
+            <a:schemeClr val="dk1"/>
+          </a:fillRef>
+          <a:effectRef idx="0">
+            <a:schemeClr val="dk1"/>
+          </a:effectRef>
+          <a:fontRef idx="minor">
+            <a:schemeClr val="tx1"/>
+          </a:fontRef>
+        </p:style>
+      </p:cxnSp>
+      <p:cxnSp>
+        <p:nvCxnSpPr>
+          <p:cNvPr id="24" name="Conector recto de flecha 23">
+            <a:extLst>
+              <a:ext uri="{FF2B5EF4-FFF2-40B4-BE49-F238E27FC236}">
+                <a16:creationId xmlns:a16="http://schemas.microsoft.com/office/drawing/2014/main" id="{98312538-AE19-4F44-A70E-1BD8DEBBA373}"/>
+              </a:ext>
+            </a:extLst>
+          </p:cNvPr>
+          <p:cNvCxnSpPr>
+            <a:cxnSpLocks/>
+            <a:stCxn id="7" idx="2"/>
+          </p:cNvCxnSpPr>
+          <p:nvPr/>
+        </p:nvCxnSpPr>
+        <p:spPr>
+          <a:xfrm>
+            <a:off x="4955926" y="4009292"/>
+            <a:ext cx="0" cy="395653"/>
+          </a:xfrm>
+          <a:prstGeom prst="straightConnector1">
+            <a:avLst/>
+          </a:prstGeom>
+          <a:ln w="12700">
+            <a:tailEnd type="triangle"/>
+          </a:ln>
+        </p:spPr>
+        <p:style>
+          <a:lnRef idx="1">
+            <a:schemeClr val="dk1"/>
+          </a:lnRef>
+          <a:fillRef idx="0">
+            <a:schemeClr val="dk1"/>
+          </a:fillRef>
+          <a:effectRef idx="0">
+            <a:schemeClr val="dk1"/>
+          </a:effectRef>
+          <a:fontRef idx="minor">
+            <a:schemeClr val="tx1"/>
+          </a:fontRef>
+        </p:style>
+      </p:cxnSp>
+      <p:cxnSp>
+        <p:nvCxnSpPr>
+          <p:cNvPr id="27" name="Conector recto de flecha 26">
+            <a:extLst>
+              <a:ext uri="{FF2B5EF4-FFF2-40B4-BE49-F238E27FC236}">
+                <a16:creationId xmlns:a16="http://schemas.microsoft.com/office/drawing/2014/main" id="{9604E584-389F-4040-9894-83426856A420}"/>
+              </a:ext>
+            </a:extLst>
+          </p:cNvPr>
+          <p:cNvCxnSpPr>
+            <a:cxnSpLocks/>
+          </p:cNvCxnSpPr>
+          <p:nvPr/>
+        </p:nvCxnSpPr>
+        <p:spPr>
+          <a:xfrm>
+            <a:off x="6224950" y="4009292"/>
+            <a:ext cx="0" cy="1455125"/>
+          </a:xfrm>
+          <a:prstGeom prst="straightConnector1">
+            <a:avLst/>
+          </a:prstGeom>
+          <a:ln w="12700">
+            <a:tailEnd type="triangle"/>
+          </a:ln>
+        </p:spPr>
+        <p:style>
+          <a:lnRef idx="1">
+            <a:schemeClr val="dk1"/>
+          </a:lnRef>
+          <a:fillRef idx="0">
+            <a:schemeClr val="dk1"/>
+          </a:fillRef>
+          <a:effectRef idx="0">
+            <a:schemeClr val="dk1"/>
+          </a:effectRef>
+          <a:fontRef idx="minor">
+            <a:schemeClr val="tx1"/>
+          </a:fontRef>
+        </p:style>
+      </p:cxnSp>
+      <p:cxnSp>
+        <p:nvCxnSpPr>
+          <p:cNvPr id="30" name="Conector recto de flecha 29">
+            <a:extLst>
+              <a:ext uri="{FF2B5EF4-FFF2-40B4-BE49-F238E27FC236}">
+                <a16:creationId xmlns:a16="http://schemas.microsoft.com/office/drawing/2014/main" id="{8C66C095-5FF0-485A-890E-96DC462035AE}"/>
+              </a:ext>
+            </a:extLst>
+          </p:cNvPr>
+          <p:cNvCxnSpPr>
+            <a:cxnSpLocks/>
+            <a:endCxn id="7" idx="0"/>
+          </p:cNvCxnSpPr>
+          <p:nvPr/>
+        </p:nvCxnSpPr>
+        <p:spPr>
+          <a:xfrm>
+            <a:off x="4955926" y="2936631"/>
+            <a:ext cx="0" cy="395653"/>
+          </a:xfrm>
+          <a:prstGeom prst="straightConnector1">
+            <a:avLst/>
+          </a:prstGeom>
+          <a:ln w="12700">
+            <a:tailEnd type="triangle"/>
+          </a:ln>
+        </p:spPr>
+        <p:style>
+          <a:lnRef idx="1">
+            <a:schemeClr val="dk1"/>
+          </a:lnRef>
+          <a:fillRef idx="0">
+            <a:schemeClr val="dk1"/>
+          </a:fillRef>
+          <a:effectRef idx="0">
+            <a:schemeClr val="dk1"/>
+          </a:effectRef>
+          <a:fontRef idx="minor">
+            <a:schemeClr val="tx1"/>
+          </a:fontRef>
+        </p:style>
+      </p:cxnSp>
+      <p:cxnSp>
+        <p:nvCxnSpPr>
+          <p:cNvPr id="34" name="Conector recto de flecha 33">
+            <a:extLst>
+              <a:ext uri="{FF2B5EF4-FFF2-40B4-BE49-F238E27FC236}">
+                <a16:creationId xmlns:a16="http://schemas.microsoft.com/office/drawing/2014/main" id="{B6174CA4-8A11-4878-A3EE-43AE429DB1FA}"/>
+              </a:ext>
+            </a:extLst>
+          </p:cNvPr>
+          <p:cNvCxnSpPr>
+            <a:cxnSpLocks/>
+            <a:stCxn id="9" idx="1"/>
+            <a:endCxn id="11" idx="4"/>
+          </p:cNvCxnSpPr>
+          <p:nvPr/>
+        </p:nvCxnSpPr>
+        <p:spPr>
+          <a:xfrm flipH="1">
+            <a:off x="2196608" y="5802921"/>
+            <a:ext cx="962756" cy="13190"/>
+          </a:xfrm>
+          <a:prstGeom prst="straightConnector1">
+            <a:avLst/>
+          </a:prstGeom>
+          <a:ln w="12700">
+            <a:tailEnd type="triangle"/>
+          </a:ln>
+        </p:spPr>
+        <p:style>
+          <a:lnRef idx="1">
+            <a:schemeClr val="dk1"/>
+          </a:lnRef>
+          <a:fillRef idx="0">
+            <a:schemeClr val="dk1"/>
+          </a:fillRef>
+          <a:effectRef idx="0">
+            <a:schemeClr val="dk1"/>
+          </a:effectRef>
+          <a:fontRef idx="minor">
+            <a:schemeClr val="tx1"/>
+          </a:fontRef>
+        </p:style>
+      </p:cxnSp>
+      <p:sp>
+        <p:nvSpPr>
+          <p:cNvPr id="36" name="Rectángulo: esquinas redondeadas 35">
+            <a:extLst>
+              <a:ext uri="{FF2B5EF4-FFF2-40B4-BE49-F238E27FC236}">
+                <a16:creationId xmlns:a16="http://schemas.microsoft.com/office/drawing/2014/main" id="{A6D5F1D4-8CA0-436A-AB61-149A78904CF1}"/>
+              </a:ext>
+            </a:extLst>
+          </p:cNvPr>
+          <p:cNvSpPr/>
+          <p:nvPr/>
+        </p:nvSpPr>
+        <p:spPr>
+          <a:xfrm>
+            <a:off x="3159364" y="606671"/>
+            <a:ext cx="4699490" cy="677008"/>
+          </a:xfrm>
+          <a:prstGeom prst="roundRect">
+            <a:avLst/>
+          </a:prstGeom>
+          <a:ln w="19050"/>
+          <a:effectLst>
+            <a:outerShdw blurRad="50800" dist="38100" dir="5400000" algn="t" rotWithShape="0">
+              <a:prstClr val="black">
+                <a:alpha val="40000"/>
+              </a:prstClr>
+            </a:outerShdw>
+          </a:effectLst>
+        </p:spPr>
+        <p:style>
+          <a:lnRef idx="2">
+            <a:schemeClr val="accent6"/>
+          </a:lnRef>
+          <a:fillRef idx="1">
+            <a:schemeClr val="lt1"/>
+          </a:fillRef>
+          <a:effectRef idx="0">
+            <a:schemeClr val="accent6"/>
+          </a:effectRef>
+          <a:fontRef idx="minor">
+            <a:schemeClr val="dk1"/>
+          </a:fontRef>
+        </p:style>
+        <p:txBody>
+          <a:bodyPr rtlCol="0" anchor="ctr"/>
+          <a:lstStyle/>
+          <a:p>
+            <a:pPr algn="ctr"/>
+            <a:r>
+              <a:rPr lang="es-ES" dirty="0"/>
+              <a:t>Proxy</a:t>
+            </a:r>
+          </a:p>
+        </p:txBody>
+      </p:sp>
+      <p:cxnSp>
+        <p:nvCxnSpPr>
+          <p:cNvPr id="39" name="Conector recto de flecha 38">
+            <a:extLst>
+              <a:ext uri="{FF2B5EF4-FFF2-40B4-BE49-F238E27FC236}">
+                <a16:creationId xmlns:a16="http://schemas.microsoft.com/office/drawing/2014/main" id="{BCE1D07F-D05A-40C6-B060-DC9F2CE13F9A}"/>
+              </a:ext>
+            </a:extLst>
+          </p:cNvPr>
+          <p:cNvCxnSpPr>
+            <a:cxnSpLocks/>
+            <a:stCxn id="36" idx="2"/>
+          </p:cNvCxnSpPr>
+          <p:nvPr/>
+        </p:nvCxnSpPr>
+        <p:spPr>
+          <a:xfrm>
+            <a:off x="5509109" y="1283679"/>
+            <a:ext cx="0" cy="975944"/>
+          </a:xfrm>
+          <a:prstGeom prst="straightConnector1">
+            <a:avLst/>
+          </a:prstGeom>
+          <a:ln w="12700">
+            <a:tailEnd type="triangle"/>
+          </a:ln>
+        </p:spPr>
+        <p:style>
+          <a:lnRef idx="1">
+            <a:schemeClr val="dk1"/>
+          </a:lnRef>
+          <a:fillRef idx="0">
+            <a:schemeClr val="dk1"/>
+          </a:fillRef>
+          <a:effectRef idx="0">
+            <a:schemeClr val="dk1"/>
+          </a:effectRef>
+          <a:fontRef idx="minor">
+            <a:schemeClr val="tx1"/>
+          </a:fontRef>
+        </p:style>
+      </p:cxnSp>
+      <p:cxnSp>
+        <p:nvCxnSpPr>
+          <p:cNvPr id="42" name="Conector recto de flecha 41">
+            <a:extLst>
+              <a:ext uri="{FF2B5EF4-FFF2-40B4-BE49-F238E27FC236}">
+                <a16:creationId xmlns:a16="http://schemas.microsoft.com/office/drawing/2014/main" id="{9B3FC783-8A2C-4EF9-9744-1A1FBBC96BA9}"/>
+              </a:ext>
+            </a:extLst>
+          </p:cNvPr>
+          <p:cNvCxnSpPr>
+            <a:cxnSpLocks/>
+            <a:endCxn id="10" idx="0"/>
+          </p:cNvCxnSpPr>
+          <p:nvPr/>
+        </p:nvCxnSpPr>
+        <p:spPr>
+          <a:xfrm>
+            <a:off x="7492507" y="1283679"/>
+            <a:ext cx="0" cy="975944"/>
+          </a:xfrm>
+          <a:prstGeom prst="straightConnector1">
+            <a:avLst/>
+          </a:prstGeom>
+          <a:ln w="12700">
+            <a:tailEnd type="triangle"/>
+          </a:ln>
+        </p:spPr>
+        <p:style>
+          <a:lnRef idx="1">
+            <a:schemeClr val="dk1"/>
+          </a:lnRef>
+          <a:fillRef idx="0">
+            <a:schemeClr val="dk1"/>
+          </a:fillRef>
+          <a:effectRef idx="0">
+            <a:schemeClr val="dk1"/>
+          </a:effectRef>
+          <a:fontRef idx="minor">
+            <a:schemeClr val="tx1"/>
+          </a:fontRef>
+        </p:style>
+      </p:cxnSp>
+      <p:sp>
+        <p:nvSpPr>
+          <p:cNvPr id="50" name="CuadroTexto 49">
+            <a:extLst>
+              <a:ext uri="{FF2B5EF4-FFF2-40B4-BE49-F238E27FC236}">
+                <a16:creationId xmlns:a16="http://schemas.microsoft.com/office/drawing/2014/main" id="{255545DA-A95C-4483-A8E7-561C4BE46862}"/>
+              </a:ext>
+            </a:extLst>
+          </p:cNvPr>
+          <p:cNvSpPr txBox="1"/>
+          <p:nvPr/>
+        </p:nvSpPr>
+        <p:spPr>
+          <a:xfrm>
+            <a:off x="4443428" y="1459496"/>
+            <a:ext cx="1101584" cy="369332"/>
+          </a:xfrm>
+          <a:prstGeom prst="rect">
+            <a:avLst/>
+          </a:prstGeom>
+          <a:noFill/>
+        </p:spPr>
+        <p:txBody>
+          <a:bodyPr wrap="square" rtlCol="0">
+            <a:spAutoFit/>
+          </a:bodyPr>
+          <a:lstStyle/>
+          <a:p>
+            <a:r>
+              <a:rPr lang="es-ES" dirty="0"/>
+              <a:t>HTPP GET</a:t>
+            </a:r>
+          </a:p>
+        </p:txBody>
+      </p:sp>
+      <p:sp>
+        <p:nvSpPr>
+          <p:cNvPr id="55" name="CuadroTexto 54">
+            <a:extLst>
+              <a:ext uri="{FF2B5EF4-FFF2-40B4-BE49-F238E27FC236}">
+                <a16:creationId xmlns:a16="http://schemas.microsoft.com/office/drawing/2014/main" id="{656F8817-83CA-434B-8890-D15D841721A4}"/>
+              </a:ext>
+            </a:extLst>
+          </p:cNvPr>
+          <p:cNvSpPr txBox="1"/>
+          <p:nvPr/>
+        </p:nvSpPr>
+        <p:spPr>
+          <a:xfrm>
+            <a:off x="2206244" y="5464417"/>
+            <a:ext cx="846770" cy="646331"/>
+          </a:xfrm>
+          <a:prstGeom prst="rect">
+            <a:avLst/>
+          </a:prstGeom>
+          <a:noFill/>
+        </p:spPr>
+        <p:txBody>
+          <a:bodyPr wrap="square" rtlCol="0">
+            <a:spAutoFit/>
+          </a:bodyPr>
+          <a:lstStyle/>
+          <a:p>
+            <a:pPr algn="ctr"/>
+            <a:r>
+              <a:rPr lang="es-ES" dirty="0"/>
+              <a:t>SQL </a:t>
+            </a:r>
+          </a:p>
+          <a:p>
+            <a:pPr algn="ctr"/>
+            <a:r>
+              <a:rPr lang="es-ES" dirty="0"/>
+              <a:t>SELECT</a:t>
+            </a:r>
+          </a:p>
+        </p:txBody>
+      </p:sp>
+    </p:spTree>
+    <p:extLst>
+      <p:ext uri="{BB962C8B-B14F-4D97-AF65-F5344CB8AC3E}">
+        <p14:creationId xmlns:p14="http://schemas.microsoft.com/office/powerpoint/2010/main" val="1553833329"/>
+      </p:ext>
+    </p:extLst>
+  </p:cSld>
+  <p:clrMapOvr>
+    <a:masterClrMapping/>
+  </p:clrMapOvr>
+</p:sld>
+</file>
+
 <file path=ppt/theme/theme1.xml><?xml version="1.0" encoding="utf-8"?>
 <a:theme xmlns:a="http://schemas.openxmlformats.org/drawingml/2006/main" name="Tema de Office">
   <a:themeElements>
